--- a/3_mvcCore/slides/3MVC.pptx
+++ b/3_mvcCore/slides/3MVC.pptx
@@ -2067,6 +2067,1335 @@
       <dsp:cNvGrpSpPr/>
     </dsp:nvGrpSpPr>
     <dsp:grpSpPr/>
+    <dsp:sp modelId="{C07D59CA-304E-4DDD-B08D-DC14449EAC9C}">
+      <dsp:nvSpPr>
+        <dsp:cNvPr id="0" name=""/>
+        <dsp:cNvSpPr/>
+      </dsp:nvSpPr>
+      <dsp:spPr>
+        <a:xfrm>
+          <a:off x="29339" y="0"/>
+          <a:ext cx="1494662" cy="1149783"/>
+        </a:xfrm>
+        <a:prstGeom prst="ellipse">
+          <a:avLst/>
+        </a:prstGeom>
+        <a:solidFill>
+          <a:schemeClr val="accent6">
+            <a:shade val="50000"/>
+            <a:hueOff val="0"/>
+            <a:satOff val="0"/>
+            <a:lumOff val="0"/>
+            <a:alphaOff val="0"/>
+          </a:schemeClr>
+        </a:solidFill>
+        <a:ln>
+          <a:noFill/>
+        </a:ln>
+        <a:effectLst/>
+        <a:scene3d>
+          <a:camera prst="orthographicFront"/>
+          <a:lightRig rig="chilly" dir="t"/>
+        </a:scene3d>
+        <a:sp3d prstMaterial="translucentPowder">
+          <a:bevelT w="127000" h="25400" prst="softRound"/>
+        </a:sp3d>
+      </dsp:spPr>
+      <dsp:style>
+        <a:lnRef idx="0">
+          <a:scrgbClr r="0" g="0" b="0"/>
+        </a:lnRef>
+        <a:fillRef idx="1">
+          <a:scrgbClr r="0" g="0" b="0"/>
+        </a:fillRef>
+        <a:effectRef idx="0">
+          <a:scrgbClr r="0" g="0" b="0"/>
+        </a:effectRef>
+        <a:fontRef idx="minor">
+          <a:schemeClr val="lt1"/>
+        </a:fontRef>
+      </dsp:style>
+      <dsp:txBody>
+        <a:bodyPr spcFirstLastPara="0" vert="horz" wrap="square" lIns="22860" tIns="22860" rIns="22860" bIns="22860" numCol="1" spcCol="1270" anchor="ctr" anchorCtr="0">
+          <a:noAutofit/>
+        </a:bodyPr>
+        <a:lstStyle/>
+        <a:p>
+          <a:pPr lvl="0" algn="ctr" defTabSz="800100">
+            <a:lnSpc>
+              <a:spcPct val="90000"/>
+            </a:lnSpc>
+            <a:spcBef>
+              <a:spcPct val="0"/>
+            </a:spcBef>
+            <a:spcAft>
+              <a:spcPct val="35000"/>
+            </a:spcAft>
+          </a:pPr>
+          <a:r>
+            <a:rPr lang="en-US" sz="1800" b="1" kern="1200" dirty="0" smtClean="0">
+              <a:effectLst>
+                <a:outerShdw blurRad="38100" dist="38100" dir="2700000" algn="tl">
+                  <a:srgbClr val="000000">
+                    <a:alpha val="43137"/>
+                  </a:srgbClr>
+                </a:outerShdw>
+              </a:effectLst>
+            </a:rPr>
+            <a:t>Request </a:t>
+          </a:r>
+          <a:endParaRPr lang="en-US" sz="1800" b="1" kern="1200" dirty="0">
+            <a:effectLst>
+              <a:outerShdw blurRad="38100" dist="38100" dir="2700000" algn="tl">
+                <a:srgbClr val="000000">
+                  <a:alpha val="43137"/>
+                </a:srgbClr>
+              </a:outerShdw>
+            </a:effectLst>
+          </a:endParaRPr>
+        </a:p>
+      </dsp:txBody>
+      <dsp:txXfrm>
+        <a:off x="248227" y="168382"/>
+        <a:ext cx="1056886" cy="813019"/>
+      </dsp:txXfrm>
+    </dsp:sp>
+    <dsp:sp modelId="{A9981281-C32E-40EE-BAD3-8707618A3059}">
+      <dsp:nvSpPr>
+        <dsp:cNvPr id="0" name=""/>
+        <dsp:cNvSpPr/>
+      </dsp:nvSpPr>
+      <dsp:spPr>
+        <a:xfrm rot="10823384">
+          <a:off x="513913" y="1329067"/>
+          <a:ext cx="512668" cy="380117"/>
+        </a:xfrm>
+        <a:prstGeom prst="triangle">
+          <a:avLst/>
+        </a:prstGeom>
+        <a:solidFill>
+          <a:schemeClr val="accent6">
+            <a:shade val="90000"/>
+            <a:hueOff val="0"/>
+            <a:satOff val="0"/>
+            <a:lumOff val="0"/>
+            <a:alphaOff val="0"/>
+          </a:schemeClr>
+        </a:solidFill>
+        <a:ln>
+          <a:noFill/>
+        </a:ln>
+        <a:effectLst/>
+        <a:scene3d>
+          <a:camera prst="orthographicFront"/>
+          <a:lightRig rig="chilly" dir="t"/>
+        </a:scene3d>
+        <a:sp3d z="-70000" extrusionH="1700" prstMaterial="translucentPowder">
+          <a:bevelT w="25400" h="6350" prst="softRound"/>
+          <a:bevelB w="0" h="0" prst="convex"/>
+        </a:sp3d>
+      </dsp:spPr>
+      <dsp:style>
+        <a:lnRef idx="0">
+          <a:scrgbClr r="0" g="0" b="0"/>
+        </a:lnRef>
+        <a:fillRef idx="1">
+          <a:scrgbClr r="0" g="0" b="0"/>
+        </a:fillRef>
+        <a:effectRef idx="0">
+          <a:scrgbClr r="0" g="0" b="0"/>
+        </a:effectRef>
+        <a:fontRef idx="minor">
+          <a:schemeClr val="lt1"/>
+        </a:fontRef>
+      </dsp:style>
+    </dsp:sp>
+    <dsp:sp modelId="{CC285EDE-BDCF-4894-A15F-E999028BD0BD}">
+      <dsp:nvSpPr>
+        <dsp:cNvPr id="0" name=""/>
+        <dsp:cNvSpPr/>
+      </dsp:nvSpPr>
+      <dsp:spPr>
+        <a:xfrm>
+          <a:off x="131888" y="1866954"/>
+          <a:ext cx="1265340" cy="976999"/>
+        </a:xfrm>
+        <a:prstGeom prst="ellipse">
+          <a:avLst/>
+        </a:prstGeom>
+        <a:solidFill>
+          <a:schemeClr val="accent6">
+            <a:shade val="50000"/>
+            <a:hueOff val="0"/>
+            <a:satOff val="-8317"/>
+            <a:lumOff val="11034"/>
+            <a:alphaOff val="0"/>
+          </a:schemeClr>
+        </a:solidFill>
+        <a:ln>
+          <a:noFill/>
+        </a:ln>
+        <a:effectLst/>
+        <a:scene3d>
+          <a:camera prst="orthographicFront"/>
+          <a:lightRig rig="chilly" dir="t"/>
+        </a:scene3d>
+        <a:sp3d prstMaterial="translucentPowder">
+          <a:bevelT w="127000" h="25400" prst="softRound"/>
+        </a:sp3d>
+      </dsp:spPr>
+      <dsp:style>
+        <a:lnRef idx="0">
+          <a:scrgbClr r="0" g="0" b="0"/>
+        </a:lnRef>
+        <a:fillRef idx="1">
+          <a:scrgbClr r="0" g="0" b="0"/>
+        </a:fillRef>
+        <a:effectRef idx="0">
+          <a:scrgbClr r="0" g="0" b="0"/>
+        </a:effectRef>
+        <a:fontRef idx="minor">
+          <a:schemeClr val="lt1"/>
+        </a:fontRef>
+      </dsp:style>
+      <dsp:txBody>
+        <a:bodyPr spcFirstLastPara="0" vert="horz" wrap="square" lIns="22860" tIns="22860" rIns="22860" bIns="22860" numCol="1" spcCol="1270" anchor="ctr" anchorCtr="0">
+          <a:noAutofit/>
+        </a:bodyPr>
+        <a:lstStyle/>
+        <a:p>
+          <a:pPr lvl="0" algn="ctr" defTabSz="800100">
+            <a:lnSpc>
+              <a:spcPct val="90000"/>
+            </a:lnSpc>
+            <a:spcBef>
+              <a:spcPct val="0"/>
+            </a:spcBef>
+            <a:spcAft>
+              <a:spcPct val="35000"/>
+            </a:spcAft>
+          </a:pPr>
+          <a:r>
+            <a:rPr lang="en-US" sz="1800" kern="1200" dirty="0" smtClean="0">
+              <a:effectLst>
+                <a:outerShdw blurRad="38100" dist="38100" dir="2700000" algn="tl">
+                  <a:srgbClr val="000000">
+                    <a:alpha val="43137"/>
+                  </a:srgbClr>
+                </a:outerShdw>
+              </a:effectLst>
+            </a:rPr>
+            <a:t>HTTP</a:t>
+          </a:r>
+          <a:br>
+            <a:rPr lang="en-US" sz="1800" kern="1200" dirty="0" smtClean="0">
+              <a:effectLst>
+                <a:outerShdw blurRad="38100" dist="38100" dir="2700000" algn="tl">
+                  <a:srgbClr val="000000">
+                    <a:alpha val="43137"/>
+                  </a:srgbClr>
+                </a:outerShdw>
+              </a:effectLst>
+            </a:rPr>
+          </a:br>
+          <a:r>
+            <a:rPr lang="en-US" sz="1800" kern="1200" dirty="0" smtClean="0">
+              <a:effectLst>
+                <a:outerShdw blurRad="38100" dist="38100" dir="2700000" algn="tl">
+                  <a:srgbClr val="000000">
+                    <a:alpha val="43137"/>
+                  </a:srgbClr>
+                </a:outerShdw>
+              </a:effectLst>
+            </a:rPr>
+            <a:t>Routing</a:t>
+          </a:r>
+          <a:endParaRPr lang="en-US" sz="1800" kern="1200" dirty="0">
+            <a:effectLst>
+              <a:outerShdw blurRad="38100" dist="38100" dir="2700000" algn="tl">
+                <a:srgbClr val="000000">
+                  <a:alpha val="43137"/>
+                </a:srgbClr>
+              </a:outerShdw>
+            </a:effectLst>
+          </a:endParaRPr>
+        </a:p>
+      </dsp:txBody>
+      <dsp:txXfrm>
+        <a:off x="317193" y="2010032"/>
+        <a:ext cx="894730" cy="690843"/>
+      </dsp:txXfrm>
+    </dsp:sp>
+    <dsp:sp modelId="{B3C0FF7F-7B0A-402E-B112-7CEFCD2089C1}">
+      <dsp:nvSpPr>
+        <dsp:cNvPr id="0" name=""/>
+        <dsp:cNvSpPr/>
+      </dsp:nvSpPr>
+      <dsp:spPr>
+        <a:xfrm rot="10800000">
+          <a:off x="508224" y="3164870"/>
+          <a:ext cx="512668" cy="380117"/>
+        </a:xfrm>
+        <a:prstGeom prst="triangle">
+          <a:avLst/>
+        </a:prstGeom>
+        <a:solidFill>
+          <a:schemeClr val="accent6">
+            <a:shade val="90000"/>
+            <a:hueOff val="0"/>
+            <a:satOff val="-8858"/>
+            <a:lumOff val="10943"/>
+            <a:alphaOff val="0"/>
+          </a:schemeClr>
+        </a:solidFill>
+        <a:ln>
+          <a:noFill/>
+        </a:ln>
+        <a:effectLst/>
+        <a:scene3d>
+          <a:camera prst="orthographicFront"/>
+          <a:lightRig rig="chilly" dir="t"/>
+        </a:scene3d>
+        <a:sp3d z="-70000" extrusionH="1700" prstMaterial="translucentPowder">
+          <a:bevelT w="25400" h="6350" prst="softRound"/>
+          <a:bevelB w="0" h="0" prst="convex"/>
+        </a:sp3d>
+      </dsp:spPr>
+      <dsp:style>
+        <a:lnRef idx="0">
+          <a:scrgbClr r="0" g="0" b="0"/>
+        </a:lnRef>
+        <a:fillRef idx="1">
+          <a:scrgbClr r="0" g="0" b="0"/>
+        </a:fillRef>
+        <a:effectRef idx="0">
+          <a:scrgbClr r="0" g="0" b="0"/>
+        </a:effectRef>
+        <a:fontRef idx="minor">
+          <a:schemeClr val="lt1"/>
+        </a:fontRef>
+      </dsp:style>
+    </dsp:sp>
+    <dsp:sp modelId="{09B7AF6C-9A32-4A0E-8251-04431B2BE457}">
+      <dsp:nvSpPr>
+        <dsp:cNvPr id="0" name=""/>
+        <dsp:cNvSpPr/>
+      </dsp:nvSpPr>
+      <dsp:spPr>
+        <a:xfrm>
+          <a:off x="276059" y="3844389"/>
+          <a:ext cx="976999" cy="976999"/>
+        </a:xfrm>
+        <a:prstGeom prst="ellipse">
+          <a:avLst/>
+        </a:prstGeom>
+        <a:solidFill>
+          <a:schemeClr val="accent6">
+            <a:shade val="50000"/>
+            <a:hueOff val="0"/>
+            <a:satOff val="-16633"/>
+            <a:lumOff val="22068"/>
+            <a:alphaOff val="0"/>
+          </a:schemeClr>
+        </a:solidFill>
+        <a:ln>
+          <a:noFill/>
+        </a:ln>
+        <a:effectLst/>
+        <a:scene3d>
+          <a:camera prst="orthographicFront"/>
+          <a:lightRig rig="chilly" dir="t"/>
+        </a:scene3d>
+        <a:sp3d prstMaterial="translucentPowder">
+          <a:bevelT w="127000" h="25400" prst="softRound"/>
+        </a:sp3d>
+      </dsp:spPr>
+      <dsp:style>
+        <a:lnRef idx="0">
+          <a:scrgbClr r="0" g="0" b="0"/>
+        </a:lnRef>
+        <a:fillRef idx="1">
+          <a:scrgbClr r="0" g="0" b="0"/>
+        </a:fillRef>
+        <a:effectRef idx="0">
+          <a:scrgbClr r="0" g="0" b="0"/>
+        </a:effectRef>
+        <a:fontRef idx="minor">
+          <a:schemeClr val="lt1"/>
+        </a:fontRef>
+      </dsp:style>
+      <dsp:txBody>
+        <a:bodyPr spcFirstLastPara="0" vert="horz" wrap="square" lIns="22860" tIns="22860" rIns="22860" bIns="22860" numCol="1" spcCol="1270" anchor="ctr" anchorCtr="0">
+          <a:noAutofit/>
+        </a:bodyPr>
+        <a:lstStyle/>
+        <a:p>
+          <a:pPr lvl="0" algn="ctr" defTabSz="800100">
+            <a:lnSpc>
+              <a:spcPct val="90000"/>
+            </a:lnSpc>
+            <a:spcBef>
+              <a:spcPct val="0"/>
+            </a:spcBef>
+            <a:spcAft>
+              <a:spcPct val="35000"/>
+            </a:spcAft>
+          </a:pPr>
+          <a:r>
+            <a:rPr lang="en-US" sz="1800" kern="1200" dirty="0" smtClean="0">
+              <a:effectLst>
+                <a:outerShdw blurRad="38100" dist="38100" dir="2700000" algn="tl">
+                  <a:srgbClr val="000000">
+                    <a:alpha val="43137"/>
+                  </a:srgbClr>
+                </a:outerShdw>
+              </a:effectLst>
+            </a:rPr>
+            <a:t>Route</a:t>
+          </a:r>
+          <a:endParaRPr lang="en-US" sz="1800" kern="1200" dirty="0">
+            <a:effectLst>
+              <a:outerShdw blurRad="38100" dist="38100" dir="2700000" algn="tl">
+                <a:srgbClr val="000000">
+                  <a:alpha val="43137"/>
+                </a:srgbClr>
+              </a:outerShdw>
+            </a:effectLst>
+          </a:endParaRPr>
+        </a:p>
+      </dsp:txBody>
+      <dsp:txXfrm>
+        <a:off x="419137" y="3987467"/>
+        <a:ext cx="690843" cy="690843"/>
+      </dsp:txXfrm>
+    </dsp:sp>
+    <dsp:sp modelId="{F869C155-9572-43FC-AADD-2F1FE916250A}">
+      <dsp:nvSpPr>
+        <dsp:cNvPr id="0" name=""/>
+        <dsp:cNvSpPr/>
+      </dsp:nvSpPr>
+      <dsp:spPr>
+        <a:xfrm rot="5400000">
+          <a:off x="1565576" y="4142830"/>
+          <a:ext cx="512668" cy="380117"/>
+        </a:xfrm>
+        <a:prstGeom prst="triangle">
+          <a:avLst/>
+        </a:prstGeom>
+        <a:solidFill>
+          <a:schemeClr val="accent6">
+            <a:shade val="90000"/>
+            <a:hueOff val="0"/>
+            <a:satOff val="-17716"/>
+            <a:lumOff val="21885"/>
+            <a:alphaOff val="0"/>
+          </a:schemeClr>
+        </a:solidFill>
+        <a:ln>
+          <a:noFill/>
+        </a:ln>
+        <a:effectLst/>
+        <a:scene3d>
+          <a:camera prst="orthographicFront"/>
+          <a:lightRig rig="chilly" dir="t"/>
+        </a:scene3d>
+        <a:sp3d z="-70000" extrusionH="1700" prstMaterial="translucentPowder">
+          <a:bevelT w="25400" h="6350" prst="softRound"/>
+          <a:bevelB w="0" h="0" prst="convex"/>
+        </a:sp3d>
+      </dsp:spPr>
+      <dsp:style>
+        <a:lnRef idx="0">
+          <a:scrgbClr r="0" g="0" b="0"/>
+        </a:lnRef>
+        <a:fillRef idx="1">
+          <a:scrgbClr r="0" g="0" b="0"/>
+        </a:fillRef>
+        <a:effectRef idx="0">
+          <a:scrgbClr r="0" g="0" b="0"/>
+        </a:effectRef>
+        <a:fontRef idx="minor">
+          <a:schemeClr val="lt1"/>
+        </a:fontRef>
+      </dsp:style>
+    </dsp:sp>
+    <dsp:sp modelId="{A713DA15-D4F8-44DD-B514-FB26295EC7E1}">
+      <dsp:nvSpPr>
+        <dsp:cNvPr id="0" name=""/>
+        <dsp:cNvSpPr/>
+      </dsp:nvSpPr>
+      <dsp:spPr>
+        <a:xfrm>
+          <a:off x="2369246" y="3865174"/>
+          <a:ext cx="1214820" cy="935427"/>
+        </a:xfrm>
+        <a:prstGeom prst="ellipse">
+          <a:avLst/>
+        </a:prstGeom>
+        <a:solidFill>
+          <a:schemeClr val="accent6">
+            <a:shade val="50000"/>
+            <a:hueOff val="0"/>
+            <a:satOff val="-24950"/>
+            <a:lumOff val="33101"/>
+            <a:alphaOff val="0"/>
+          </a:schemeClr>
+        </a:solidFill>
+        <a:ln>
+          <a:noFill/>
+        </a:ln>
+        <a:effectLst/>
+        <a:scene3d>
+          <a:camera prst="orthographicFront"/>
+          <a:lightRig rig="chilly" dir="t"/>
+        </a:scene3d>
+        <a:sp3d prstMaterial="translucentPowder">
+          <a:bevelT w="127000" h="25400" prst="softRound"/>
+        </a:sp3d>
+      </dsp:spPr>
+      <dsp:style>
+        <a:lnRef idx="0">
+          <a:scrgbClr r="0" g="0" b="0"/>
+        </a:lnRef>
+        <a:fillRef idx="1">
+          <a:scrgbClr r="0" g="0" b="0"/>
+        </a:fillRef>
+        <a:effectRef idx="0">
+          <a:scrgbClr r="0" g="0" b="0"/>
+        </a:effectRef>
+        <a:fontRef idx="minor">
+          <a:schemeClr val="lt1"/>
+        </a:fontRef>
+      </dsp:style>
+      <dsp:txBody>
+        <a:bodyPr spcFirstLastPara="0" vert="horz" wrap="square" lIns="20320" tIns="20320" rIns="20320" bIns="20320" numCol="1" spcCol="1270" anchor="ctr" anchorCtr="0">
+          <a:noAutofit/>
+        </a:bodyPr>
+        <a:lstStyle/>
+        <a:p>
+          <a:pPr lvl="0" algn="ctr" defTabSz="711200">
+            <a:lnSpc>
+              <a:spcPct val="90000"/>
+            </a:lnSpc>
+            <a:spcBef>
+              <a:spcPct val="0"/>
+            </a:spcBef>
+            <a:spcAft>
+              <a:spcPct val="35000"/>
+            </a:spcAft>
+          </a:pPr>
+          <a:r>
+            <a:rPr lang="en-US" sz="1600" kern="1200" dirty="0" smtClean="0">
+              <a:effectLst>
+                <a:outerShdw blurRad="38100" dist="38100" dir="2700000" algn="tl">
+                  <a:srgbClr val="000000">
+                    <a:alpha val="43137"/>
+                  </a:srgbClr>
+                </a:outerShdw>
+              </a:effectLst>
+            </a:rPr>
+            <a:t>Route</a:t>
+          </a:r>
+          <a:br>
+            <a:rPr lang="en-US" sz="1600" kern="1200" dirty="0" smtClean="0">
+              <a:effectLst>
+                <a:outerShdw blurRad="38100" dist="38100" dir="2700000" algn="tl">
+                  <a:srgbClr val="000000">
+                    <a:alpha val="43137"/>
+                  </a:srgbClr>
+                </a:outerShdw>
+              </a:effectLst>
+            </a:rPr>
+          </a:br>
+          <a:r>
+            <a:rPr lang="en-US" sz="1600" kern="1200" dirty="0" smtClean="0">
+              <a:effectLst>
+                <a:outerShdw blurRad="38100" dist="38100" dir="2700000" algn="tl">
+                  <a:srgbClr val="000000">
+                    <a:alpha val="43137"/>
+                  </a:srgbClr>
+                </a:outerShdw>
+              </a:effectLst>
+            </a:rPr>
+            <a:t>Handler</a:t>
+          </a:r>
+          <a:endParaRPr lang="en-US" sz="1600" kern="1200" dirty="0">
+            <a:effectLst>
+              <a:outerShdw blurRad="38100" dist="38100" dir="2700000" algn="tl">
+                <a:srgbClr val="000000">
+                  <a:alpha val="43137"/>
+                </a:srgbClr>
+              </a:outerShdw>
+            </a:effectLst>
+          </a:endParaRPr>
+        </a:p>
+      </dsp:txBody>
+      <dsp:txXfrm>
+        <a:off x="2547152" y="4002164"/>
+        <a:ext cx="859008" cy="661447"/>
+      </dsp:txXfrm>
+    </dsp:sp>
+    <dsp:sp modelId="{D1F9EBC1-AAB6-43EC-A81D-75A2F3DA8AA4}">
+      <dsp:nvSpPr>
+        <dsp:cNvPr id="0" name=""/>
+        <dsp:cNvSpPr/>
+      </dsp:nvSpPr>
+      <dsp:spPr>
+        <a:xfrm rot="45186">
+          <a:off x="2733331" y="3153166"/>
+          <a:ext cx="512668" cy="380117"/>
+        </a:xfrm>
+        <a:prstGeom prst="triangle">
+          <a:avLst/>
+        </a:prstGeom>
+        <a:solidFill>
+          <a:schemeClr val="accent6">
+            <a:shade val="90000"/>
+            <a:hueOff val="0"/>
+            <a:satOff val="-26574"/>
+            <a:lumOff val="32827"/>
+            <a:alphaOff val="0"/>
+          </a:schemeClr>
+        </a:solidFill>
+        <a:ln>
+          <a:noFill/>
+        </a:ln>
+        <a:effectLst/>
+        <a:scene3d>
+          <a:camera prst="orthographicFront"/>
+          <a:lightRig rig="chilly" dir="t"/>
+        </a:scene3d>
+        <a:sp3d z="-70000" extrusionH="1700" prstMaterial="translucentPowder">
+          <a:bevelT w="25400" h="6350" prst="softRound"/>
+          <a:bevelB w="0" h="0" prst="convex"/>
+        </a:sp3d>
+      </dsp:spPr>
+      <dsp:style>
+        <a:lnRef idx="0">
+          <a:scrgbClr r="0" g="0" b="0"/>
+        </a:lnRef>
+        <a:fillRef idx="1">
+          <a:scrgbClr r="0" g="0" b="0"/>
+        </a:fillRef>
+        <a:effectRef idx="0">
+          <a:scrgbClr r="0" g="0" b="0"/>
+        </a:effectRef>
+        <a:fontRef idx="minor">
+          <a:schemeClr val="lt1"/>
+        </a:fontRef>
+      </dsp:style>
+    </dsp:sp>
+    <dsp:sp modelId="{FD02DA44-192F-4060-8298-A6C397A07B7E}">
+      <dsp:nvSpPr>
+        <dsp:cNvPr id="0" name=""/>
+        <dsp:cNvSpPr/>
+      </dsp:nvSpPr>
+      <dsp:spPr>
+        <a:xfrm>
+          <a:off x="2283153" y="1947635"/>
+          <a:ext cx="1437947" cy="895146"/>
+        </a:xfrm>
+        <a:prstGeom prst="ellipse">
+          <a:avLst/>
+        </a:prstGeom>
+        <a:solidFill>
+          <a:schemeClr val="accent6">
+            <a:shade val="50000"/>
+            <a:hueOff val="0"/>
+            <a:satOff val="-33267"/>
+            <a:lumOff val="44135"/>
+            <a:alphaOff val="0"/>
+          </a:schemeClr>
+        </a:solidFill>
+        <a:ln>
+          <a:noFill/>
+        </a:ln>
+        <a:effectLst/>
+        <a:scene3d>
+          <a:camera prst="orthographicFront"/>
+          <a:lightRig rig="chilly" dir="t"/>
+        </a:scene3d>
+        <a:sp3d prstMaterial="translucentPowder">
+          <a:bevelT w="127000" h="25400" prst="softRound"/>
+        </a:sp3d>
+      </dsp:spPr>
+      <dsp:style>
+        <a:lnRef idx="0">
+          <a:scrgbClr r="0" g="0" b="0"/>
+        </a:lnRef>
+        <a:fillRef idx="1">
+          <a:scrgbClr r="0" g="0" b="0"/>
+        </a:fillRef>
+        <a:effectRef idx="0">
+          <a:scrgbClr r="0" g="0" b="0"/>
+        </a:effectRef>
+        <a:fontRef idx="minor">
+          <a:schemeClr val="lt1"/>
+        </a:fontRef>
+      </dsp:style>
+      <dsp:txBody>
+        <a:bodyPr spcFirstLastPara="0" vert="horz" wrap="square" lIns="22860" tIns="22860" rIns="22860" bIns="22860" numCol="1" spcCol="1270" anchor="ctr" anchorCtr="0">
+          <a:noAutofit/>
+        </a:bodyPr>
+        <a:lstStyle/>
+        <a:p>
+          <a:pPr lvl="0" algn="ctr" defTabSz="800100">
+            <a:lnSpc>
+              <a:spcPct val="90000"/>
+            </a:lnSpc>
+            <a:spcBef>
+              <a:spcPct val="0"/>
+            </a:spcBef>
+            <a:spcAft>
+              <a:spcPct val="35000"/>
+            </a:spcAft>
+          </a:pPr>
+          <a:r>
+            <a:rPr lang="en-US" sz="1800" kern="1200" dirty="0" smtClean="0">
+              <a:effectLst>
+                <a:outerShdw blurRad="38100" dist="38100" dir="2700000" algn="tl">
+                  <a:srgbClr val="000000">
+                    <a:alpha val="43137"/>
+                  </a:srgbClr>
+                </a:outerShdw>
+              </a:effectLst>
+            </a:rPr>
+            <a:t>Http</a:t>
+          </a:r>
+          <a:br>
+            <a:rPr lang="en-US" sz="1800" kern="1200" dirty="0" smtClean="0">
+              <a:effectLst>
+                <a:outerShdw blurRad="38100" dist="38100" dir="2700000" algn="tl">
+                  <a:srgbClr val="000000">
+                    <a:alpha val="43137"/>
+                  </a:srgbClr>
+                </a:outerShdw>
+              </a:effectLst>
+            </a:rPr>
+          </a:br>
+          <a:r>
+            <a:rPr lang="en-US" sz="1800" kern="1200" dirty="0" smtClean="0">
+              <a:effectLst>
+                <a:outerShdw blurRad="38100" dist="38100" dir="2700000" algn="tl">
+                  <a:srgbClr val="000000">
+                    <a:alpha val="43137"/>
+                  </a:srgbClr>
+                </a:outerShdw>
+              </a:effectLst>
+            </a:rPr>
+            <a:t>Handler</a:t>
+          </a:r>
+          <a:endParaRPr lang="en-US" sz="1800" kern="1200" dirty="0">
+            <a:effectLst>
+              <a:outerShdw blurRad="38100" dist="38100" dir="2700000" algn="tl">
+                <a:srgbClr val="000000">
+                  <a:alpha val="43137"/>
+                </a:srgbClr>
+              </a:outerShdw>
+            </a:effectLst>
+          </a:endParaRPr>
+        </a:p>
+      </dsp:txBody>
+      <dsp:txXfrm>
+        <a:off x="2493735" y="2078726"/>
+        <a:ext cx="1016783" cy="632964"/>
+      </dsp:txXfrm>
+    </dsp:sp>
+    <dsp:sp modelId="{23ABF2D6-8A7E-447F-A560-EC98C11AADB5}">
+      <dsp:nvSpPr>
+        <dsp:cNvPr id="0" name=""/>
+        <dsp:cNvSpPr/>
+      </dsp:nvSpPr>
+      <dsp:spPr>
+        <a:xfrm rot="5400000">
+          <a:off x="3863273" y="2205149"/>
+          <a:ext cx="512668" cy="380117"/>
+        </a:xfrm>
+        <a:prstGeom prst="triangle">
+          <a:avLst/>
+        </a:prstGeom>
+        <a:solidFill>
+          <a:schemeClr val="accent6">
+            <a:shade val="90000"/>
+            <a:hueOff val="0"/>
+            <a:satOff val="-35432"/>
+            <a:lumOff val="43770"/>
+            <a:alphaOff val="0"/>
+          </a:schemeClr>
+        </a:solidFill>
+        <a:ln>
+          <a:noFill/>
+        </a:ln>
+        <a:effectLst/>
+        <a:scene3d>
+          <a:camera prst="orthographicFront"/>
+          <a:lightRig rig="chilly" dir="t"/>
+        </a:scene3d>
+        <a:sp3d z="-70000" extrusionH="1700" prstMaterial="translucentPowder">
+          <a:bevelT w="25400" h="6350" prst="softRound"/>
+          <a:bevelB w="0" h="0" prst="convex"/>
+        </a:sp3d>
+      </dsp:spPr>
+      <dsp:style>
+        <a:lnRef idx="0">
+          <a:scrgbClr r="0" g="0" b="0"/>
+        </a:lnRef>
+        <a:fillRef idx="1">
+          <a:scrgbClr r="0" g="0" b="0"/>
+        </a:fillRef>
+        <a:effectRef idx="0">
+          <a:scrgbClr r="0" g="0" b="0"/>
+        </a:effectRef>
+        <a:fontRef idx="minor">
+          <a:schemeClr val="lt1"/>
+        </a:fontRef>
+      </dsp:style>
+    </dsp:sp>
+    <dsp:sp modelId="{C90512C6-84A5-41BE-96C6-CF79D98C6D7A}">
+      <dsp:nvSpPr>
+        <dsp:cNvPr id="0" name=""/>
+        <dsp:cNvSpPr/>
+      </dsp:nvSpPr>
+      <dsp:spPr>
+        <a:xfrm>
+          <a:off x="4496598" y="1906708"/>
+          <a:ext cx="1614256" cy="976999"/>
+        </a:xfrm>
+        <a:prstGeom prst="ellipse">
+          <a:avLst/>
+        </a:prstGeom>
+        <a:solidFill>
+          <a:schemeClr val="accent6">
+            <a:shade val="50000"/>
+            <a:hueOff val="0"/>
+            <a:satOff val="-33267"/>
+            <a:lumOff val="44135"/>
+            <a:alphaOff val="0"/>
+          </a:schemeClr>
+        </a:solidFill>
+        <a:ln>
+          <a:noFill/>
+        </a:ln>
+        <a:effectLst/>
+        <a:scene3d>
+          <a:camera prst="orthographicFront"/>
+          <a:lightRig rig="chilly" dir="t"/>
+        </a:scene3d>
+        <a:sp3d prstMaterial="translucentPowder">
+          <a:bevelT w="127000" h="25400" prst="softRound"/>
+        </a:sp3d>
+      </dsp:spPr>
+      <dsp:style>
+        <a:lnRef idx="0">
+          <a:scrgbClr r="0" g="0" b="0"/>
+        </a:lnRef>
+        <a:fillRef idx="1">
+          <a:scrgbClr r="0" g="0" b="0"/>
+        </a:fillRef>
+        <a:effectRef idx="0">
+          <a:scrgbClr r="0" g="0" b="0"/>
+        </a:effectRef>
+        <a:fontRef idx="minor">
+          <a:schemeClr val="lt1"/>
+        </a:fontRef>
+      </dsp:style>
+      <dsp:txBody>
+        <a:bodyPr spcFirstLastPara="0" vert="horz" wrap="square" lIns="22860" tIns="22860" rIns="22860" bIns="22860" numCol="1" spcCol="1270" anchor="ctr" anchorCtr="0">
+          <a:noAutofit/>
+        </a:bodyPr>
+        <a:lstStyle/>
+        <a:p>
+          <a:pPr lvl="0" algn="ctr" defTabSz="800100">
+            <a:lnSpc>
+              <a:spcPct val="90000"/>
+            </a:lnSpc>
+            <a:spcBef>
+              <a:spcPct val="0"/>
+            </a:spcBef>
+            <a:spcAft>
+              <a:spcPct val="35000"/>
+            </a:spcAft>
+          </a:pPr>
+          <a:r>
+            <a:rPr lang="en-US" sz="1800" kern="1200" dirty="0" smtClean="0">
+              <a:effectLst>
+                <a:outerShdw blurRad="38100" dist="38100" dir="2700000" algn="tl">
+                  <a:srgbClr val="000000">
+                    <a:alpha val="43137"/>
+                  </a:srgbClr>
+                </a:outerShdw>
+              </a:effectLst>
+            </a:rPr>
+            <a:t>Controller</a:t>
+          </a:r>
+          <a:endParaRPr lang="en-US" sz="1800" kern="1200" dirty="0">
+            <a:effectLst>
+              <a:outerShdw blurRad="38100" dist="38100" dir="2700000" algn="tl">
+                <a:srgbClr val="000000">
+                  <a:alpha val="43137"/>
+                </a:srgbClr>
+              </a:outerShdw>
+            </a:effectLst>
+          </a:endParaRPr>
+        </a:p>
+      </dsp:txBody>
+      <dsp:txXfrm>
+        <a:off x="4733000" y="2049786"/>
+        <a:ext cx="1141452" cy="690843"/>
+      </dsp:txXfrm>
+    </dsp:sp>
+    <dsp:sp modelId="{49FF0E8B-EF97-4D82-B1A2-9A6441862D17}">
+      <dsp:nvSpPr>
+        <dsp:cNvPr id="0" name=""/>
+        <dsp:cNvSpPr/>
+      </dsp:nvSpPr>
+      <dsp:spPr>
+        <a:xfrm rot="10845186">
+          <a:off x="5034516" y="3184746"/>
+          <a:ext cx="512668" cy="380117"/>
+        </a:xfrm>
+        <a:prstGeom prst="triangle">
+          <a:avLst/>
+        </a:prstGeom>
+        <a:solidFill>
+          <a:schemeClr val="accent6">
+            <a:shade val="90000"/>
+            <a:hueOff val="0"/>
+            <a:satOff val="-26574"/>
+            <a:lumOff val="32827"/>
+            <a:alphaOff val="0"/>
+          </a:schemeClr>
+        </a:solidFill>
+        <a:ln>
+          <a:noFill/>
+        </a:ln>
+        <a:effectLst/>
+        <a:scene3d>
+          <a:camera prst="orthographicFront"/>
+          <a:lightRig rig="chilly" dir="t"/>
+        </a:scene3d>
+        <a:sp3d z="-70000" extrusionH="1700" prstMaterial="translucentPowder">
+          <a:bevelT w="25400" h="6350" prst="softRound"/>
+          <a:bevelB w="0" h="0" prst="convex"/>
+        </a:sp3d>
+      </dsp:spPr>
+      <dsp:style>
+        <a:lnRef idx="0">
+          <a:scrgbClr r="0" g="0" b="0"/>
+        </a:lnRef>
+        <a:fillRef idx="1">
+          <a:scrgbClr r="0" g="0" b="0"/>
+        </a:fillRef>
+        <a:effectRef idx="0">
+          <a:scrgbClr r="0" g="0" b="0"/>
+        </a:effectRef>
+        <a:fontRef idx="minor">
+          <a:schemeClr val="lt1"/>
+        </a:fontRef>
+      </dsp:style>
+    </dsp:sp>
+    <dsp:sp modelId="{B52E2555-441E-4C2E-B0E9-4AF5A8A9E4E7}">
+      <dsp:nvSpPr>
+        <dsp:cNvPr id="0" name=""/>
+        <dsp:cNvSpPr/>
+      </dsp:nvSpPr>
+      <dsp:spPr>
+        <a:xfrm>
+          <a:off x="4441422" y="3844389"/>
+          <a:ext cx="1673668" cy="976999"/>
+        </a:xfrm>
+        <a:prstGeom prst="ellipse">
+          <a:avLst/>
+        </a:prstGeom>
+        <a:solidFill>
+          <a:schemeClr val="accent6">
+            <a:shade val="50000"/>
+            <a:hueOff val="0"/>
+            <a:satOff val="-24950"/>
+            <a:lumOff val="33101"/>
+            <a:alphaOff val="0"/>
+          </a:schemeClr>
+        </a:solidFill>
+        <a:ln>
+          <a:noFill/>
+        </a:ln>
+        <a:effectLst/>
+        <a:scene3d>
+          <a:camera prst="orthographicFront"/>
+          <a:lightRig rig="chilly" dir="t"/>
+        </a:scene3d>
+        <a:sp3d prstMaterial="translucentPowder">
+          <a:bevelT w="127000" h="25400" prst="softRound"/>
+        </a:sp3d>
+      </dsp:spPr>
+      <dsp:style>
+        <a:lnRef idx="0">
+          <a:scrgbClr r="0" g="0" b="0"/>
+        </a:lnRef>
+        <a:fillRef idx="1">
+          <a:scrgbClr r="0" g="0" b="0"/>
+        </a:fillRef>
+        <a:effectRef idx="0">
+          <a:scrgbClr r="0" g="0" b="0"/>
+        </a:effectRef>
+        <a:fontRef idx="minor">
+          <a:schemeClr val="lt1"/>
+        </a:fontRef>
+      </dsp:style>
+      <dsp:txBody>
+        <a:bodyPr spcFirstLastPara="0" vert="horz" wrap="square" lIns="22860" tIns="22860" rIns="22860" bIns="22860" numCol="1" spcCol="1270" anchor="ctr" anchorCtr="0">
+          <a:noAutofit/>
+        </a:bodyPr>
+        <a:lstStyle/>
+        <a:p>
+          <a:pPr lvl="0" algn="ctr" defTabSz="800100">
+            <a:lnSpc>
+              <a:spcPct val="90000"/>
+            </a:lnSpc>
+            <a:spcBef>
+              <a:spcPct val="0"/>
+            </a:spcBef>
+            <a:spcAft>
+              <a:spcPct val="35000"/>
+            </a:spcAft>
+          </a:pPr>
+          <a:r>
+            <a:rPr lang="en-US" sz="1800" kern="1200" dirty="0" smtClean="0">
+              <a:effectLst>
+                <a:outerShdw blurRad="38100" dist="38100" dir="2700000" algn="tl">
+                  <a:srgbClr val="000000">
+                    <a:alpha val="43137"/>
+                  </a:srgbClr>
+                </a:outerShdw>
+              </a:effectLst>
+            </a:rPr>
+            <a:t>View</a:t>
+          </a:r>
+          <a:br>
+            <a:rPr lang="en-US" sz="1800" kern="1200" dirty="0" smtClean="0">
+              <a:effectLst>
+                <a:outerShdw blurRad="38100" dist="38100" dir="2700000" algn="tl">
+                  <a:srgbClr val="000000">
+                    <a:alpha val="43137"/>
+                  </a:srgbClr>
+                </a:outerShdw>
+              </a:effectLst>
+            </a:rPr>
+          </a:br>
+          <a:r>
+            <a:rPr lang="en-US" sz="1800" kern="1200" dirty="0" smtClean="0">
+              <a:effectLst>
+                <a:outerShdw blurRad="38100" dist="38100" dir="2700000" algn="tl">
+                  <a:srgbClr val="000000">
+                    <a:alpha val="43137"/>
+                  </a:srgbClr>
+                </a:outerShdw>
+              </a:effectLst>
+            </a:rPr>
+            <a:t>Engine</a:t>
+          </a:r>
+          <a:endParaRPr lang="en-US" sz="1800" kern="1200" dirty="0">
+            <a:effectLst>
+              <a:outerShdw blurRad="38100" dist="38100" dir="2700000" algn="tl">
+                <a:srgbClr val="000000">
+                  <a:alpha val="43137"/>
+                </a:srgbClr>
+              </a:outerShdw>
+            </a:effectLst>
+          </a:endParaRPr>
+        </a:p>
+      </dsp:txBody>
+      <dsp:txXfrm>
+        <a:off x="4686525" y="3987467"/>
+        <a:ext cx="1183462" cy="690843"/>
+      </dsp:txXfrm>
+    </dsp:sp>
+    <dsp:sp modelId="{6B153EE7-A150-4F0E-9047-B44BFC00F9D4}">
+      <dsp:nvSpPr>
+        <dsp:cNvPr id="0" name=""/>
+        <dsp:cNvSpPr/>
+      </dsp:nvSpPr>
+      <dsp:spPr>
+        <a:xfrm rot="5456842">
+          <a:off x="6408745" y="4165762"/>
+          <a:ext cx="512668" cy="380117"/>
+        </a:xfrm>
+        <a:prstGeom prst="triangle">
+          <a:avLst/>
+        </a:prstGeom>
+        <a:solidFill>
+          <a:schemeClr val="accent6">
+            <a:shade val="90000"/>
+            <a:hueOff val="0"/>
+            <a:satOff val="-17716"/>
+            <a:lumOff val="21885"/>
+            <a:alphaOff val="0"/>
+          </a:schemeClr>
+        </a:solidFill>
+        <a:ln>
+          <a:noFill/>
+        </a:ln>
+        <a:effectLst/>
+        <a:scene3d>
+          <a:camera prst="orthographicFront"/>
+          <a:lightRig rig="chilly" dir="t"/>
+        </a:scene3d>
+        <a:sp3d z="-70000" extrusionH="1700" prstMaterial="translucentPowder">
+          <a:bevelT w="25400" h="6350" prst="softRound"/>
+          <a:bevelB w="0" h="0" prst="convex"/>
+        </a:sp3d>
+      </dsp:spPr>
+      <dsp:style>
+        <a:lnRef idx="0">
+          <a:scrgbClr r="0" g="0" b="0"/>
+        </a:lnRef>
+        <a:fillRef idx="1">
+          <a:scrgbClr r="0" g="0" b="0"/>
+        </a:fillRef>
+        <a:effectRef idx="0">
+          <a:scrgbClr r="0" g="0" b="0"/>
+        </a:effectRef>
+        <a:fontRef idx="minor">
+          <a:schemeClr val="lt1"/>
+        </a:fontRef>
+      </dsp:style>
+    </dsp:sp>
+    <dsp:sp modelId="{BF4DE2EC-A23A-4772-A50A-9810851F1CAE}">
+      <dsp:nvSpPr>
+        <dsp:cNvPr id="0" name=""/>
+        <dsp:cNvSpPr/>
+      </dsp:nvSpPr>
+      <dsp:spPr>
+        <a:xfrm>
+          <a:off x="7193823" y="3884143"/>
+          <a:ext cx="976999" cy="976999"/>
+        </a:xfrm>
+        <a:prstGeom prst="ellipse">
+          <a:avLst/>
+        </a:prstGeom>
+        <a:solidFill>
+          <a:schemeClr val="accent6">
+            <a:shade val="50000"/>
+            <a:hueOff val="0"/>
+            <a:satOff val="-16633"/>
+            <a:lumOff val="22068"/>
+            <a:alphaOff val="0"/>
+          </a:schemeClr>
+        </a:solidFill>
+        <a:ln>
+          <a:noFill/>
+        </a:ln>
+        <a:effectLst/>
+        <a:scene3d>
+          <a:camera prst="orthographicFront"/>
+          <a:lightRig rig="chilly" dir="t"/>
+        </a:scene3d>
+        <a:sp3d prstMaterial="translucentPowder">
+          <a:bevelT w="127000" h="25400" prst="softRound"/>
+        </a:sp3d>
+      </dsp:spPr>
+      <dsp:style>
+        <a:lnRef idx="0">
+          <a:scrgbClr r="0" g="0" b="0"/>
+        </a:lnRef>
+        <a:fillRef idx="1">
+          <a:scrgbClr r="0" g="0" b="0"/>
+        </a:fillRef>
+        <a:effectRef idx="0">
+          <a:scrgbClr r="0" g="0" b="0"/>
+        </a:effectRef>
+        <a:fontRef idx="minor">
+          <a:schemeClr val="lt1"/>
+        </a:fontRef>
+      </dsp:style>
+      <dsp:txBody>
+        <a:bodyPr spcFirstLastPara="0" vert="horz" wrap="square" lIns="22860" tIns="22860" rIns="22860" bIns="22860" numCol="1" spcCol="1270" anchor="ctr" anchorCtr="0">
+          <a:noAutofit/>
+        </a:bodyPr>
+        <a:lstStyle/>
+        <a:p>
+          <a:pPr lvl="0" algn="ctr" defTabSz="800100">
+            <a:lnSpc>
+              <a:spcPct val="90000"/>
+            </a:lnSpc>
+            <a:spcBef>
+              <a:spcPct val="0"/>
+            </a:spcBef>
+            <a:spcAft>
+              <a:spcPct val="35000"/>
+            </a:spcAft>
+          </a:pPr>
+          <a:r>
+            <a:rPr lang="en-US" sz="1800" kern="1200" dirty="0" smtClean="0">
+              <a:effectLst>
+                <a:outerShdw blurRad="38100" dist="38100" dir="2700000" algn="tl">
+                  <a:srgbClr val="000000">
+                    <a:alpha val="43137"/>
+                  </a:srgbClr>
+                </a:outerShdw>
+              </a:effectLst>
+            </a:rPr>
+            <a:t>View</a:t>
+          </a:r>
+          <a:endParaRPr lang="en-US" sz="1800" kern="1200" dirty="0">
+            <a:effectLst>
+              <a:outerShdw blurRad="38100" dist="38100" dir="2700000" algn="tl">
+                <a:srgbClr val="000000">
+                  <a:alpha val="43137"/>
+                </a:srgbClr>
+              </a:outerShdw>
+            </a:effectLst>
+          </a:endParaRPr>
+        </a:p>
+      </dsp:txBody>
+      <dsp:txXfrm>
+        <a:off x="7336901" y="4027221"/>
+        <a:ext cx="690843" cy="690843"/>
+      </dsp:txXfrm>
+    </dsp:sp>
+    <dsp:sp modelId="{570504A2-D7B1-45F6-B116-F4AD487C0F74}">
+      <dsp:nvSpPr>
+        <dsp:cNvPr id="0" name=""/>
+        <dsp:cNvSpPr/>
+      </dsp:nvSpPr>
+      <dsp:spPr>
+        <a:xfrm>
+          <a:off x="7425989" y="3305050"/>
+          <a:ext cx="512668" cy="380117"/>
+        </a:xfrm>
+        <a:prstGeom prst="triangle">
+          <a:avLst/>
+        </a:prstGeom>
+        <a:solidFill>
+          <a:schemeClr val="accent6">
+            <a:shade val="90000"/>
+            <a:hueOff val="0"/>
+            <a:satOff val="-8858"/>
+            <a:lumOff val="10943"/>
+            <a:alphaOff val="0"/>
+          </a:schemeClr>
+        </a:solidFill>
+        <a:ln>
+          <a:noFill/>
+        </a:ln>
+        <a:effectLst/>
+        <a:scene3d>
+          <a:camera prst="orthographicFront"/>
+          <a:lightRig rig="chilly" dir="t"/>
+        </a:scene3d>
+        <a:sp3d z="-70000" extrusionH="1700" prstMaterial="translucentPowder">
+          <a:bevelT w="25400" h="6350" prst="softRound"/>
+          <a:bevelB w="0" h="0" prst="convex"/>
+        </a:sp3d>
+      </dsp:spPr>
+      <dsp:style>
+        <a:lnRef idx="0">
+          <a:scrgbClr r="0" g="0" b="0"/>
+        </a:lnRef>
+        <a:fillRef idx="1">
+          <a:scrgbClr r="0" g="0" b="0"/>
+        </a:fillRef>
+        <a:effectRef idx="0">
+          <a:scrgbClr r="0" g="0" b="0"/>
+        </a:effectRef>
+        <a:fontRef idx="minor">
+          <a:schemeClr val="lt1"/>
+        </a:fontRef>
+      </dsp:style>
+    </dsp:sp>
+    <dsp:sp modelId="{64CF1DA4-7797-4940-845E-E1151738415E}">
+      <dsp:nvSpPr>
+        <dsp:cNvPr id="0" name=""/>
+        <dsp:cNvSpPr/>
+      </dsp:nvSpPr>
+      <dsp:spPr>
+        <a:xfrm>
+          <a:off x="6872944" y="1662825"/>
+          <a:ext cx="1618757" cy="1464766"/>
+        </a:xfrm>
+        <a:prstGeom prst="ellipse">
+          <a:avLst/>
+        </a:prstGeom>
+        <a:solidFill>
+          <a:schemeClr val="accent6">
+            <a:shade val="50000"/>
+            <a:hueOff val="0"/>
+            <a:satOff val="-8317"/>
+            <a:lumOff val="11034"/>
+            <a:alphaOff val="0"/>
+          </a:schemeClr>
+        </a:solidFill>
+        <a:ln>
+          <a:noFill/>
+        </a:ln>
+        <a:effectLst/>
+        <a:scene3d>
+          <a:camera prst="orthographicFront"/>
+          <a:lightRig rig="chilly" dir="t"/>
+        </a:scene3d>
+        <a:sp3d prstMaterial="translucentPowder">
+          <a:bevelT w="127000" h="25400" prst="softRound"/>
+        </a:sp3d>
+      </dsp:spPr>
+      <dsp:style>
+        <a:lnRef idx="0">
+          <a:scrgbClr r="0" g="0" b="0"/>
+        </a:lnRef>
+        <a:fillRef idx="1">
+          <a:scrgbClr r="0" g="0" b="0"/>
+        </a:fillRef>
+        <a:effectRef idx="0">
+          <a:scrgbClr r="0" g="0" b="0"/>
+        </a:effectRef>
+        <a:fontRef idx="minor">
+          <a:schemeClr val="lt1"/>
+        </a:fontRef>
+      </dsp:style>
+      <dsp:txBody>
+        <a:bodyPr spcFirstLastPara="0" vert="horz" wrap="square" lIns="20320" tIns="20320" rIns="20320" bIns="20320" numCol="1" spcCol="1270" anchor="ctr" anchorCtr="0">
+          <a:noAutofit/>
+        </a:bodyPr>
+        <a:lstStyle/>
+        <a:p>
+          <a:pPr lvl="0" algn="ctr" defTabSz="711200">
+            <a:lnSpc>
+              <a:spcPct val="90000"/>
+            </a:lnSpc>
+            <a:spcBef>
+              <a:spcPct val="0"/>
+            </a:spcBef>
+            <a:spcAft>
+              <a:spcPct val="35000"/>
+            </a:spcAft>
+          </a:pPr>
+          <a:r>
+            <a:rPr lang="en-US" sz="1600" b="1" kern="1200" dirty="0" smtClean="0">
+              <a:effectLst>
+                <a:outerShdw blurRad="38100" dist="38100" dir="2700000" algn="tl">
+                  <a:srgbClr val="000000">
+                    <a:alpha val="43137"/>
+                  </a:srgbClr>
+                </a:outerShdw>
+              </a:effectLst>
+            </a:rPr>
+            <a:t>Response</a:t>
+          </a:r>
+          <a:endParaRPr lang="en-US" sz="1600" b="1" kern="1200" dirty="0">
+            <a:effectLst>
+              <a:outerShdw blurRad="38100" dist="38100" dir="2700000" algn="tl">
+                <a:srgbClr val="000000">
+                  <a:alpha val="43137"/>
+                </a:srgbClr>
+              </a:outerShdw>
+            </a:effectLst>
+          </a:endParaRPr>
+        </a:p>
+      </dsp:txBody>
+      <dsp:txXfrm>
+        <a:off x="7110005" y="1877335"/>
+        <a:ext cx="1144635" cy="1035746"/>
+      </dsp:txXfrm>
+    </dsp:sp>
   </dsp:spTree>
 </dsp:drawing>
 </file>
@@ -3574,7 +4903,7 @@
           <a:p>
             <a:fld id="{1CA3DF46-1122-49F8-B2FC-AA89D59712B3}" type="datetimeFigureOut">
               <a:rPr lang="en-IN" smtClean="0"/>
-              <a:t>27-02-2023</a:t>
+              <a:t>28-03-2023</a:t>
             </a:fld>
             <a:endParaRPr lang="en-IN"/>
           </a:p>
@@ -8177,7 +9506,7 @@
             <a:fld id="{1D8BD707-D9CF-40AE-B4C6-C98DA3205C09}" type="datetimeFigureOut">
               <a:rPr lang="en-US" smtClean="0"/>
               <a:pPr/>
-              <a:t>2/27/2023</a:t>
+              <a:t>3/28/2023</a:t>
             </a:fld>
             <a:endParaRPr lang="en-US"/>
           </a:p>
@@ -8439,7 +9768,7 @@
             <a:fld id="{1D8BD707-D9CF-40AE-B4C6-C98DA3205C09}" type="datetimeFigureOut">
               <a:rPr lang="en-US" smtClean="0"/>
               <a:pPr/>
-              <a:t>2/27/2023</a:t>
+              <a:t>3/28/2023</a:t>
             </a:fld>
             <a:endParaRPr lang="en-US"/>
           </a:p>
@@ -11204,7 +12533,13 @@
           <p:cNvGraphicFramePr>
             <a:graphicFrameLocks noGrp="1"/>
           </p:cNvGraphicFramePr>
-          <p:nvPr/>
+          <p:nvPr>
+            <p:extLst>
+              <p:ext uri="{D42A27DB-BD31-4B8C-83A1-F6EECF244321}">
+                <p14:modId xmlns:p14="http://schemas.microsoft.com/office/powerpoint/2010/main" val="3769288172"/>
+              </p:ext>
+            </p:extLst>
+          </p:nvPr>
         </p:nvGraphicFramePr>
         <p:xfrm>
           <a:off x="228600" y="1371600"/>
@@ -11451,7 +12786,7 @@
                         </a:spcAft>
                       </a:pPr>
                       <a:r>
-                        <a:rPr lang="en-IN" sz="2000">
+                        <a:rPr lang="en-IN" sz="2000" dirty="0">
                           <a:solidFill>
                             <a:srgbClr val="44525E"/>
                           </a:solidFill>
@@ -11459,10 +12794,32 @@
                           <a:ea typeface="Times New Roman"/>
                           <a:cs typeface="Times New Roman"/>
                         </a:rPr>
-                        <a:t>In the Global.asax file, </a:t>
+                        <a:t>In the </a:t>
                       </a:r>
                       <a:r>
-                        <a:rPr lang="en-IN" sz="2000" b="1">
+                        <a:rPr lang="en-IN" sz="2000" b="1" dirty="0" err="1">
+                          <a:solidFill>
+                            <a:srgbClr val="44525E"/>
+                          </a:solidFill>
+                          <a:latin typeface="Segoe UI"/>
+                          <a:ea typeface="Times New Roman"/>
+                          <a:cs typeface="Times New Roman"/>
+                        </a:rPr>
+                        <a:t>Global.asax</a:t>
+                      </a:r>
+                      <a:r>
+                        <a:rPr lang="en-IN" sz="2000" dirty="0">
+                          <a:solidFill>
+                            <a:srgbClr val="44525E"/>
+                          </a:solidFill>
+                          <a:latin typeface="Segoe UI"/>
+                          <a:ea typeface="Times New Roman"/>
+                          <a:cs typeface="Times New Roman"/>
+                        </a:rPr>
+                        <a:t> file, </a:t>
+                      </a:r>
+                      <a:r>
+                        <a:rPr lang="en-IN" sz="2000" b="1" dirty="0">
                           <a:solidFill>
                             <a:srgbClr val="44525E"/>
                           </a:solidFill>
@@ -11473,7 +12830,7 @@
                         <a:t>Route</a:t>
                       </a:r>
                       <a:r>
-                        <a:rPr lang="en-IN" sz="2000">
+                        <a:rPr lang="en-IN" sz="2000" dirty="0">
                           <a:solidFill>
                             <a:srgbClr val="44525E"/>
                           </a:solidFill>
@@ -11484,7 +12841,7 @@
                         <a:t> objects are added to the </a:t>
                       </a:r>
                       <a:r>
-                        <a:rPr lang="en-IN" sz="2000" b="1">
+                        <a:rPr lang="en-IN" sz="2000" b="1" dirty="0" err="1">
                           <a:solidFill>
                             <a:srgbClr val="44525E"/>
                           </a:solidFill>
@@ -11495,7 +12852,7 @@
                         <a:t>RouteTable</a:t>
                       </a:r>
                       <a:r>
-                        <a:rPr lang="en-IN" sz="2000">
+                        <a:rPr lang="en-IN" sz="2000" dirty="0">
                           <a:solidFill>
                             <a:srgbClr val="44525E"/>
                           </a:solidFill>
@@ -11505,7 +12862,7 @@
                         </a:rPr>
                         <a:t> object.</a:t>
                       </a:r>
-                      <a:endParaRPr lang="en-IN" sz="2000">
+                      <a:endParaRPr lang="en-IN" sz="2000" dirty="0">
                         <a:latin typeface="Calibri"/>
                         <a:ea typeface="Calibri"/>
                         <a:cs typeface="Times New Roman"/>
@@ -12780,6 +14137,10 @@
           </p:nvPr>
         </p:nvSpPr>
         <p:spPr>
+          <a:xfrm>
+            <a:off x="609600" y="1417638"/>
+            <a:ext cx="8077200" cy="4754562"/>
+          </a:xfrm>
           <a:ln>
             <a:solidFill>
               <a:schemeClr val="tx1"/>
